--- a/DEATH-March2018_MTG.pptx
+++ b/DEATH-March2018_MTG.pptx
@@ -26,6 +26,9 @@
     <p:sldId id="274" r:id="rId20"/>
     <p:sldId id="275" r:id="rId21"/>
     <p:sldId id="276" r:id="rId22"/>
+    <p:sldId id="277" r:id="rId23"/>
+    <p:sldId id="278" r:id="rId24"/>
+    <p:sldId id="279" r:id="rId25"/>
   </p:sldIdLst>
   <p:sldSz cx="12192000" cy="6858000"/>
   <p:notesSz cx="6858000" cy="9144000"/>
@@ -263,7 +266,7 @@
           <a:p>
             <a:fld id="{1C37A753-995F-42C4-B01C-2DAA6DA1AE44}" type="datetimeFigureOut">
               <a:rPr kumimoji="1" lang="ja-JP" altLang="en-US" smtClean="0"/>
-              <a:t>2018/5/11</a:t>
+              <a:t>2018/6/5</a:t>
             </a:fld>
             <a:endParaRPr kumimoji="1" lang="ja-JP" altLang="en-US"/>
           </a:p>
@@ -465,7 +468,7 @@
           <a:p>
             <a:fld id="{1C37A753-995F-42C4-B01C-2DAA6DA1AE44}" type="datetimeFigureOut">
               <a:rPr kumimoji="1" lang="ja-JP" altLang="en-US" smtClean="0"/>
-              <a:t>2018/5/11</a:t>
+              <a:t>2018/6/5</a:t>
             </a:fld>
             <a:endParaRPr kumimoji="1" lang="ja-JP" altLang="en-US"/>
           </a:p>
@@ -677,7 +680,7 @@
           <a:p>
             <a:fld id="{1C37A753-995F-42C4-B01C-2DAA6DA1AE44}" type="datetimeFigureOut">
               <a:rPr kumimoji="1" lang="ja-JP" altLang="en-US" smtClean="0"/>
-              <a:t>2018/5/11</a:t>
+              <a:t>2018/6/5</a:t>
             </a:fld>
             <a:endParaRPr kumimoji="1" lang="ja-JP" altLang="en-US"/>
           </a:p>
@@ -879,7 +882,7 @@
           <a:p>
             <a:fld id="{1C37A753-995F-42C4-B01C-2DAA6DA1AE44}" type="datetimeFigureOut">
               <a:rPr kumimoji="1" lang="ja-JP" altLang="en-US" smtClean="0"/>
-              <a:t>2018/5/11</a:t>
+              <a:t>2018/6/5</a:t>
             </a:fld>
             <a:endParaRPr kumimoji="1" lang="ja-JP" altLang="en-US"/>
           </a:p>
@@ -1125,7 +1128,7 @@
           <a:p>
             <a:fld id="{1C37A753-995F-42C4-B01C-2DAA6DA1AE44}" type="datetimeFigureOut">
               <a:rPr kumimoji="1" lang="ja-JP" altLang="en-US" smtClean="0"/>
-              <a:t>2018/5/11</a:t>
+              <a:t>2018/6/5</a:t>
             </a:fld>
             <a:endParaRPr kumimoji="1" lang="ja-JP" altLang="en-US"/>
           </a:p>
@@ -1421,7 +1424,7 @@
           <a:p>
             <a:fld id="{1C37A753-995F-42C4-B01C-2DAA6DA1AE44}" type="datetimeFigureOut">
               <a:rPr kumimoji="1" lang="ja-JP" altLang="en-US" smtClean="0"/>
-              <a:t>2018/5/11</a:t>
+              <a:t>2018/6/5</a:t>
             </a:fld>
             <a:endParaRPr kumimoji="1" lang="ja-JP" altLang="en-US"/>
           </a:p>
@@ -1852,7 +1855,7 @@
           <a:p>
             <a:fld id="{1C37A753-995F-42C4-B01C-2DAA6DA1AE44}" type="datetimeFigureOut">
               <a:rPr kumimoji="1" lang="ja-JP" altLang="en-US" smtClean="0"/>
-              <a:t>2018/5/11</a:t>
+              <a:t>2018/6/5</a:t>
             </a:fld>
             <a:endParaRPr kumimoji="1" lang="ja-JP" altLang="en-US"/>
           </a:p>
@@ -1970,7 +1973,7 @@
           <a:p>
             <a:fld id="{1C37A753-995F-42C4-B01C-2DAA6DA1AE44}" type="datetimeFigureOut">
               <a:rPr kumimoji="1" lang="ja-JP" altLang="en-US" smtClean="0"/>
-              <a:t>2018/5/11</a:t>
+              <a:t>2018/6/5</a:t>
             </a:fld>
             <a:endParaRPr kumimoji="1" lang="ja-JP" altLang="en-US"/>
           </a:p>
@@ -2065,7 +2068,7 @@
           <a:p>
             <a:fld id="{1C37A753-995F-42C4-B01C-2DAA6DA1AE44}" type="datetimeFigureOut">
               <a:rPr kumimoji="1" lang="ja-JP" altLang="en-US" smtClean="0"/>
-              <a:t>2018/5/11</a:t>
+              <a:t>2018/6/5</a:t>
             </a:fld>
             <a:endParaRPr kumimoji="1" lang="ja-JP" altLang="en-US"/>
           </a:p>
@@ -2374,7 +2377,7 @@
           <a:p>
             <a:fld id="{1C37A753-995F-42C4-B01C-2DAA6DA1AE44}" type="datetimeFigureOut">
               <a:rPr kumimoji="1" lang="ja-JP" altLang="en-US" smtClean="0"/>
-              <a:t>2018/5/11</a:t>
+              <a:t>2018/6/5</a:t>
             </a:fld>
             <a:endParaRPr kumimoji="1" lang="ja-JP" altLang="en-US"/>
           </a:p>
@@ -2627,7 +2630,7 @@
           <a:p>
             <a:fld id="{1C37A753-995F-42C4-B01C-2DAA6DA1AE44}" type="datetimeFigureOut">
               <a:rPr kumimoji="1" lang="ja-JP" altLang="en-US" smtClean="0"/>
-              <a:t>2018/5/11</a:t>
+              <a:t>2018/6/5</a:t>
             </a:fld>
             <a:endParaRPr kumimoji="1" lang="ja-JP" altLang="en-US"/>
           </a:p>
@@ -2872,7 +2875,7 @@
           <a:p>
             <a:fld id="{1C37A753-995F-42C4-B01C-2DAA6DA1AE44}" type="datetimeFigureOut">
               <a:rPr kumimoji="1" lang="ja-JP" altLang="en-US" smtClean="0"/>
-              <a:t>2018/5/11</a:t>
+              <a:t>2018/6/5</a:t>
             </a:fld>
             <a:endParaRPr kumimoji="1" lang="ja-JP" altLang="en-US"/>
           </a:p>
@@ -5324,6 +5327,18 @@
           <a:bodyPr/>
           <a:lstStyle/>
           <a:p>
+            <a:r>
+              <a:rPr kumimoji="1" lang="en-US" altLang="ja-JP" dirty="0" smtClean="0"/>
+              <a:t>6/5 </a:t>
+            </a:r>
+            <a:r>
+              <a:rPr kumimoji="1" lang="ja-JP" altLang="en-US" dirty="0" smtClean="0"/>
+              <a:t>案件</a:t>
+            </a:r>
+            <a:r>
+              <a:rPr kumimoji="1" lang="en-US" altLang="ja-JP" dirty="0" smtClean="0"/>
+              <a:t>		</a:t>
+            </a:r>
             <a:endParaRPr kumimoji="1" lang="ja-JP" altLang="en-US" dirty="0"/>
           </a:p>
         </p:txBody>
@@ -5340,10 +5355,163 @@
         </p:nvSpPr>
         <p:spPr/>
         <p:txBody>
-          <a:bodyPr/>
-          <a:lstStyle/>
-          <a:p>
-            <a:endParaRPr kumimoji="1" lang="ja-JP" altLang="en-US"/>
+          <a:bodyPr>
+            <a:normAutofit fontScale="92500" lnSpcReduction="20000"/>
+          </a:bodyPr>
+          <a:lstStyle/>
+          <a:p>
+            <a:r>
+              <a:rPr lang="ja-JP" altLang="en-US" dirty="0" smtClean="0"/>
+              <a:t>競技方式</a:t>
+            </a:r>
+            <a:endParaRPr lang="en-US" altLang="ja-JP" dirty="0" smtClean="0"/>
+          </a:p>
+          <a:p>
+            <a:r>
+              <a:rPr lang="en-US" altLang="ja-JP" dirty="0" smtClean="0"/>
+              <a:t>0</a:t>
+            </a:r>
+            <a:r>
+              <a:rPr lang="ja-JP" altLang="en-US" dirty="0" smtClean="0"/>
+              <a:t>の連続する個数　暫定</a:t>
+            </a:r>
+            <a:r>
+              <a:rPr lang="en-US" altLang="ja-JP" dirty="0" smtClean="0"/>
+              <a:t>x=7</a:t>
+            </a:r>
+          </a:p>
+          <a:p>
+            <a:pPr lvl="1"/>
+            <a:r>
+              <a:rPr lang="en-US" altLang="ja-JP" dirty="0" smtClean="0"/>
+              <a:t>A:</a:t>
+            </a:r>
+            <a:r>
+              <a:rPr lang="ja-JP" altLang="en-US" dirty="0" smtClean="0"/>
+              <a:t>逐次 </a:t>
+            </a:r>
+            <a:r>
+              <a:rPr lang="en-US" altLang="ja-JP" dirty="0" smtClean="0"/>
+              <a:t>3s  (x=3)</a:t>
+            </a:r>
+          </a:p>
+          <a:p>
+            <a:pPr lvl="2"/>
+            <a:r>
+              <a:rPr lang="ja-JP" altLang="en-US" dirty="0" smtClean="0"/>
+              <a:t>けっこうやばめ？</a:t>
+            </a:r>
+            <a:endParaRPr lang="en-US" altLang="ja-JP" dirty="0" smtClean="0"/>
+          </a:p>
+          <a:p>
+            <a:pPr lvl="1"/>
+            <a:r>
+              <a:rPr kumimoji="1" lang="en-US" altLang="ja-JP" dirty="0" smtClean="0"/>
+              <a:t>B: 4s~100s (x=6) 12</a:t>
+            </a:r>
+            <a:r>
+              <a:rPr kumimoji="1" lang="ja-JP" altLang="en-US" dirty="0" smtClean="0"/>
+              <a:t>台　試行は少ない、ハッシュレート値で評価</a:t>
+            </a:r>
+            <a:endParaRPr kumimoji="1" lang="en-US" altLang="ja-JP" dirty="0" smtClean="0"/>
+          </a:p>
+          <a:p>
+            <a:pPr lvl="2"/>
+            <a:r>
+              <a:rPr lang="ja-JP" altLang="en-US" dirty="0" smtClean="0"/>
+              <a:t>ほぼ開発終わってそう</a:t>
+            </a:r>
+            <a:endParaRPr kumimoji="1" lang="en-US" altLang="ja-JP" dirty="0" smtClean="0"/>
+          </a:p>
+          <a:p>
+            <a:pPr lvl="1"/>
+            <a:r>
+              <a:rPr lang="en-US" altLang="ja-JP" dirty="0" smtClean="0"/>
+              <a:t>C: 0.05s~193s AVE=29s (x=6)</a:t>
+            </a:r>
+            <a:r>
+              <a:rPr lang="ja-JP" altLang="en-US" dirty="0" smtClean="0"/>
+              <a:t>　試行回数は多い</a:t>
+            </a:r>
+            <a:endParaRPr lang="en-US" altLang="ja-JP" dirty="0" smtClean="0"/>
+          </a:p>
+          <a:p>
+            <a:pPr lvl="2"/>
+            <a:r>
+              <a:rPr kumimoji="1" lang="en-US" altLang="ja-JP" dirty="0" smtClean="0"/>
+              <a:t>MPI</a:t>
+            </a:r>
+            <a:r>
+              <a:rPr lang="ja-JP" altLang="en-US" dirty="0" smtClean="0"/>
+              <a:t>動きそう、</a:t>
+            </a:r>
+            <a:r>
+              <a:rPr lang="en-US" altLang="ja-JP" dirty="0" smtClean="0"/>
+              <a:t>GPU</a:t>
+            </a:r>
+            <a:r>
+              <a:rPr lang="ja-JP" altLang="en-US" dirty="0" smtClean="0"/>
+              <a:t>は多分無理そう</a:t>
+            </a:r>
+            <a:endParaRPr kumimoji="1" lang="en-US" altLang="ja-JP" dirty="0" smtClean="0"/>
+          </a:p>
+          <a:p>
+            <a:r>
+              <a:rPr lang="ja-JP" altLang="en-US" dirty="0" smtClean="0"/>
+              <a:t>採点項目シート</a:t>
+            </a:r>
+            <a:endParaRPr lang="en-US" altLang="ja-JP" dirty="0" smtClean="0"/>
+          </a:p>
+          <a:p>
+            <a:pPr lvl="1"/>
+            <a:r>
+              <a:rPr lang="ja-JP" altLang="en-US" dirty="0" smtClean="0"/>
+              <a:t>発表技術</a:t>
+            </a:r>
+            <a:r>
+              <a:rPr lang="en-US" altLang="ja-JP" dirty="0"/>
+              <a:t>(8)</a:t>
+            </a:r>
+            <a:endParaRPr lang="en-US" altLang="ja-JP" dirty="0" smtClean="0"/>
+          </a:p>
+          <a:p>
+            <a:pPr lvl="1"/>
+            <a:r>
+              <a:rPr lang="ja-JP" altLang="en-US" dirty="0" smtClean="0"/>
+              <a:t>高速化</a:t>
+            </a:r>
+            <a:r>
+              <a:rPr lang="en-US" altLang="ja-JP" dirty="0"/>
+              <a:t>(8)</a:t>
+            </a:r>
+            <a:endParaRPr lang="en-US" altLang="ja-JP" dirty="0" smtClean="0"/>
+          </a:p>
+          <a:p>
+            <a:pPr lvl="1"/>
+            <a:r>
+              <a:rPr lang="ja-JP" altLang="en-US" dirty="0"/>
+              <a:t>チーム開発の工夫 </a:t>
+            </a:r>
+            <a:r>
+              <a:rPr lang="en-US" altLang="ja-JP" dirty="0"/>
+              <a:t>(8)</a:t>
+            </a:r>
+          </a:p>
+          <a:p>
+            <a:pPr lvl="1"/>
+            <a:r>
+              <a:rPr lang="ja-JP" altLang="en-US" dirty="0" smtClean="0"/>
+              <a:t>資料作り </a:t>
+            </a:r>
+            <a:r>
+              <a:rPr lang="en-US" altLang="ja-JP" dirty="0"/>
+              <a:t>(8)</a:t>
+            </a:r>
+            <a:endParaRPr lang="en-US" altLang="ja-JP" dirty="0" smtClean="0"/>
+          </a:p>
+          <a:p>
+            <a:pPr lvl="1"/>
+            <a:endParaRPr lang="en-US" altLang="ja-JP" dirty="0" smtClean="0"/>
           </a:p>
         </p:txBody>
       </p:sp>
@@ -5351,6 +5519,750 @@
     <p:extLst>
       <p:ext uri="{BB962C8B-B14F-4D97-AF65-F5344CB8AC3E}">
         <p14:creationId xmlns:p14="http://schemas.microsoft.com/office/powerpoint/2010/main" val="3507646693"/>
+      </p:ext>
+    </p:extLst>
+  </p:cSld>
+  <p:clrMapOvr>
+    <a:masterClrMapping/>
+  </p:clrMapOvr>
+</p:sld>
+</file>
+
+<file path=ppt/slides/slide22.xml><?xml version="1.0" encoding="utf-8"?>
+<p:sld xmlns:a="http://schemas.openxmlformats.org/drawingml/2006/main" xmlns:r="http://schemas.openxmlformats.org/officeDocument/2006/relationships" xmlns:p="http://schemas.openxmlformats.org/presentationml/2006/main">
+  <p:cSld>
+    <p:spTree>
+      <p:nvGrpSpPr>
+        <p:cNvPr id="1" name=""/>
+        <p:cNvGrpSpPr/>
+        <p:nvPr/>
+      </p:nvGrpSpPr>
+      <p:grpSpPr>
+        <a:xfrm>
+          <a:off x="0" y="0"/>
+          <a:ext cx="0" cy="0"/>
+          <a:chOff x="0" y="0"/>
+          <a:chExt cx="0" cy="0"/>
+        </a:xfrm>
+      </p:grpSpPr>
+      <p:sp>
+        <p:nvSpPr>
+          <p:cNvPr id="2" name="タイトル 1"/>
+          <p:cNvSpPr>
+            <a:spLocks noGrp="1"/>
+          </p:cNvSpPr>
+          <p:nvPr>
+            <p:ph type="title"/>
+          </p:nvPr>
+        </p:nvSpPr>
+        <p:spPr/>
+        <p:txBody>
+          <a:bodyPr/>
+          <a:lstStyle/>
+          <a:p>
+            <a:r>
+              <a:rPr lang="ja-JP" altLang="en-US" dirty="0"/>
+              <a:t>競技</a:t>
+            </a:r>
+            <a:r>
+              <a:rPr lang="ja-JP" altLang="en-US" dirty="0" smtClean="0"/>
+              <a:t>方式</a:t>
+            </a:r>
+            <a:endParaRPr kumimoji="1" lang="ja-JP" altLang="en-US" dirty="0"/>
+          </a:p>
+        </p:txBody>
+      </p:sp>
+      <p:sp>
+        <p:nvSpPr>
+          <p:cNvPr id="3" name="コンテンツ プレースホルダー 2"/>
+          <p:cNvSpPr>
+            <a:spLocks noGrp="1"/>
+          </p:cNvSpPr>
+          <p:nvPr>
+            <p:ph idx="1"/>
+          </p:nvPr>
+        </p:nvSpPr>
+        <p:spPr/>
+        <p:txBody>
+          <a:bodyPr/>
+          <a:lstStyle/>
+          <a:p>
+            <a:r>
+              <a:rPr lang="ja-JP" altLang="en-US" dirty="0" smtClean="0"/>
+              <a:t>同時計測は諦め･･･競合しまくり</a:t>
+            </a:r>
+            <a:endParaRPr lang="en-US" altLang="ja-JP" dirty="0" smtClean="0"/>
+          </a:p>
+          <a:p>
+            <a:r>
+              <a:rPr lang="en-US" altLang="ja-JP" dirty="0" smtClean="0"/>
+              <a:t>10</a:t>
+            </a:r>
+            <a:r>
+              <a:rPr lang="ja-JP" altLang="en-US" dirty="0" smtClean="0"/>
+              <a:t>ブロックを</a:t>
+            </a:r>
+            <a:r>
+              <a:rPr lang="en-US" altLang="ja-JP" dirty="0" smtClean="0"/>
+              <a:t>1</a:t>
+            </a:r>
+            <a:r>
+              <a:rPr lang="ja-JP" altLang="en-US" dirty="0" smtClean="0"/>
+              <a:t>チームまとめて計る</a:t>
+            </a:r>
+            <a:endParaRPr lang="en-US" altLang="ja-JP" dirty="0" smtClean="0"/>
+          </a:p>
+          <a:p>
+            <a:pPr lvl="1"/>
+            <a:r>
+              <a:rPr lang="ja-JP" altLang="en-US" dirty="0"/>
+              <a:t>事前</a:t>
+            </a:r>
+            <a:r>
+              <a:rPr lang="ja-JP" altLang="en-US" dirty="0" smtClean="0"/>
+              <a:t>に測定（時間を長く取れば条件きつく</a:t>
+            </a:r>
+            <a:r>
+              <a:rPr lang="ja-JP" altLang="en-US" dirty="0" err="1" smtClean="0"/>
+              <a:t>か</a:t>
+            </a:r>
+            <a:r>
+              <a:rPr lang="ja-JP" altLang="en-US" dirty="0" smtClean="0"/>
+              <a:t>、試行回数増やせる</a:t>
+            </a:r>
+            <a:r>
+              <a:rPr lang="en-US" altLang="ja-JP" dirty="0" smtClean="0"/>
+              <a:t>)</a:t>
+            </a:r>
+          </a:p>
+          <a:p>
+            <a:pPr lvl="2"/>
+            <a:r>
+              <a:rPr lang="ja-JP" altLang="en-US" dirty="0" smtClean="0"/>
+              <a:t>金曜朝とか</a:t>
+            </a:r>
+            <a:r>
+              <a:rPr lang="en-US" altLang="ja-JP" dirty="0" smtClean="0"/>
+              <a:t>(5~6</a:t>
+            </a:r>
+            <a:r>
+              <a:rPr lang="ja-JP" altLang="en-US" dirty="0" smtClean="0"/>
+              <a:t>時間</a:t>
+            </a:r>
+            <a:r>
+              <a:rPr lang="en-US" altLang="ja-JP" dirty="0" smtClean="0"/>
+              <a:t>(</a:t>
+            </a:r>
+            <a:r>
+              <a:rPr lang="ja-JP" altLang="en-US" dirty="0" smtClean="0"/>
+              <a:t>１チーム</a:t>
+            </a:r>
+            <a:r>
+              <a:rPr lang="en-US" altLang="ja-JP" dirty="0" smtClean="0"/>
+              <a:t>1~2h)</a:t>
+            </a:r>
+          </a:p>
+          <a:p>
+            <a:pPr lvl="2"/>
+            <a:r>
+              <a:rPr lang="ja-JP" altLang="en-US" dirty="0" smtClean="0"/>
+              <a:t>計測中マシン停止</a:t>
+            </a:r>
+            <a:r>
+              <a:rPr lang="en-US" altLang="ja-JP" dirty="0" smtClean="0"/>
+              <a:t>(</a:t>
+            </a:r>
+          </a:p>
+        </p:txBody>
+      </p:sp>
+    </p:spTree>
+    <p:extLst>
+      <p:ext uri="{BB962C8B-B14F-4D97-AF65-F5344CB8AC3E}">
+        <p14:creationId xmlns:p14="http://schemas.microsoft.com/office/powerpoint/2010/main" val="171474482"/>
+      </p:ext>
+    </p:extLst>
+  </p:cSld>
+  <p:clrMapOvr>
+    <a:masterClrMapping/>
+  </p:clrMapOvr>
+</p:sld>
+</file>
+
+<file path=ppt/slides/slide23.xml><?xml version="1.0" encoding="utf-8"?>
+<p:sld xmlns:a="http://schemas.openxmlformats.org/drawingml/2006/main" xmlns:r="http://schemas.openxmlformats.org/officeDocument/2006/relationships" xmlns:p="http://schemas.openxmlformats.org/presentationml/2006/main">
+  <p:cSld>
+    <p:spTree>
+      <p:nvGrpSpPr>
+        <p:cNvPr id="1" name=""/>
+        <p:cNvGrpSpPr/>
+        <p:nvPr/>
+      </p:nvGrpSpPr>
+      <p:grpSpPr>
+        <a:xfrm>
+          <a:off x="0" y="0"/>
+          <a:ext cx="0" cy="0"/>
+          <a:chOff x="0" y="0"/>
+          <a:chExt cx="0" cy="0"/>
+        </a:xfrm>
+      </p:grpSpPr>
+      <p:sp>
+        <p:nvSpPr>
+          <p:cNvPr id="2" name="タイトル 1"/>
+          <p:cNvSpPr>
+            <a:spLocks noGrp="1"/>
+          </p:cNvSpPr>
+          <p:nvPr>
+            <p:ph type="title"/>
+          </p:nvPr>
+        </p:nvSpPr>
+        <p:spPr/>
+        <p:txBody>
+          <a:bodyPr/>
+          <a:lstStyle/>
+          <a:p>
+            <a:r>
+              <a:rPr lang="ja-JP" altLang="en-US" dirty="0"/>
+              <a:t>採点項目シート</a:t>
+            </a:r>
+            <a:br>
+              <a:rPr lang="ja-JP" altLang="en-US" dirty="0"/>
+            </a:br>
+            <a:endParaRPr kumimoji="1" lang="ja-JP" altLang="en-US" dirty="0"/>
+          </a:p>
+        </p:txBody>
+      </p:sp>
+      <p:sp>
+        <p:nvSpPr>
+          <p:cNvPr id="3" name="コンテンツ プレースホルダー 2"/>
+          <p:cNvSpPr>
+            <a:spLocks noGrp="1"/>
+          </p:cNvSpPr>
+          <p:nvPr>
+            <p:ph idx="1"/>
+          </p:nvPr>
+        </p:nvSpPr>
+        <p:spPr>
+          <a:xfrm>
+            <a:off x="769834" y="1295786"/>
+            <a:ext cx="10515600" cy="4351338"/>
+          </a:xfrm>
+        </p:spPr>
+        <p:txBody>
+          <a:bodyPr>
+            <a:normAutofit fontScale="92500" lnSpcReduction="20000"/>
+          </a:bodyPr>
+          <a:lstStyle/>
+          <a:p>
+            <a:r>
+              <a:rPr lang="ja-JP" altLang="en-US" dirty="0" smtClean="0"/>
+              <a:t>発表</a:t>
+            </a:r>
+            <a:r>
+              <a:rPr lang="ja-JP" altLang="en-US" dirty="0"/>
+              <a:t>技術</a:t>
+            </a:r>
+            <a:r>
+              <a:rPr lang="en-US" altLang="ja-JP" dirty="0"/>
+              <a:t>(8</a:t>
+            </a:r>
+            <a:r>
+              <a:rPr lang="en-US" altLang="ja-JP" dirty="0" smtClean="0"/>
+              <a:t>)</a:t>
+            </a:r>
+          </a:p>
+          <a:p>
+            <a:pPr lvl="1"/>
+            <a:r>
+              <a:rPr lang="ja-JP" altLang="en-US" dirty="0"/>
+              <a:t>声</a:t>
+            </a:r>
+            <a:r>
+              <a:rPr lang="ja-JP" altLang="en-US" dirty="0" smtClean="0"/>
+              <a:t>の大きさ・速度、聞き取りやすさ </a:t>
+            </a:r>
+            <a:endParaRPr lang="en-US" altLang="ja-JP" dirty="0" smtClean="0"/>
+          </a:p>
+          <a:p>
+            <a:pPr lvl="1"/>
+            <a:r>
+              <a:rPr lang="ja-JP" altLang="en-US" dirty="0" smtClean="0"/>
+              <a:t>質疑応答できてるか</a:t>
+            </a:r>
+            <a:endParaRPr lang="en-US" altLang="ja-JP" dirty="0" smtClean="0"/>
+          </a:p>
+          <a:p>
+            <a:r>
+              <a:rPr lang="ja-JP" altLang="en-US" dirty="0" smtClean="0"/>
+              <a:t>高速化</a:t>
+            </a:r>
+            <a:r>
+              <a:rPr lang="en-US" altLang="ja-JP" dirty="0"/>
+              <a:t>(8</a:t>
+            </a:r>
+            <a:r>
+              <a:rPr lang="en-US" altLang="ja-JP" dirty="0" smtClean="0"/>
+              <a:t>)</a:t>
+            </a:r>
+          </a:p>
+          <a:p>
+            <a:pPr lvl="1"/>
+            <a:r>
+              <a:rPr lang="ja-JP" altLang="en-US" dirty="0" smtClean="0"/>
+              <a:t>高速化の手法に工夫は見られたか</a:t>
+            </a:r>
+            <a:endParaRPr lang="en-US" altLang="ja-JP" dirty="0" smtClean="0"/>
+          </a:p>
+          <a:p>
+            <a:pPr lvl="1"/>
+            <a:r>
+              <a:rPr lang="ja-JP" altLang="en-US" dirty="0"/>
+              <a:t>高速化</a:t>
+            </a:r>
+            <a:r>
+              <a:rPr lang="ja-JP" altLang="en-US" dirty="0" smtClean="0"/>
+              <a:t>の恩恵は見られたか</a:t>
+            </a:r>
+            <a:endParaRPr lang="en-US" altLang="ja-JP" dirty="0" smtClean="0"/>
+          </a:p>
+          <a:p>
+            <a:r>
+              <a:rPr lang="ja-JP" altLang="en-US" dirty="0" smtClean="0"/>
+              <a:t>チーム</a:t>
+            </a:r>
+            <a:r>
+              <a:rPr lang="ja-JP" altLang="en-US" dirty="0"/>
+              <a:t>開発の工夫 </a:t>
+            </a:r>
+            <a:r>
+              <a:rPr lang="en-US" altLang="ja-JP" dirty="0"/>
+              <a:t>(8</a:t>
+            </a:r>
+            <a:r>
+              <a:rPr lang="en-US" altLang="ja-JP" dirty="0" smtClean="0"/>
+              <a:t>)</a:t>
+            </a:r>
+          </a:p>
+          <a:p>
+            <a:pPr lvl="1"/>
+            <a:r>
+              <a:rPr lang="ja-JP" altLang="en-US" dirty="0" smtClean="0"/>
+              <a:t>スケジューリングとタスク分割</a:t>
+            </a:r>
+            <a:endParaRPr lang="en-US" altLang="ja-JP" dirty="0" smtClean="0"/>
+          </a:p>
+          <a:p>
+            <a:pPr lvl="1"/>
+            <a:r>
+              <a:rPr lang="ja-JP" altLang="en-US" dirty="0" smtClean="0"/>
+              <a:t>チーム内のコミュニケーションは円滑にとれるようにしていたか</a:t>
+            </a:r>
+            <a:endParaRPr lang="en-US" altLang="ja-JP" dirty="0"/>
+          </a:p>
+          <a:p>
+            <a:r>
+              <a:rPr lang="ja-JP" altLang="en-US" dirty="0"/>
+              <a:t>資料作り </a:t>
+            </a:r>
+            <a:r>
+              <a:rPr lang="en-US" altLang="ja-JP" dirty="0"/>
+              <a:t>(8</a:t>
+            </a:r>
+            <a:r>
+              <a:rPr lang="en-US" altLang="ja-JP" dirty="0" smtClean="0"/>
+              <a:t>)</a:t>
+            </a:r>
+          </a:p>
+          <a:p>
+            <a:pPr lvl="1"/>
+            <a:r>
+              <a:rPr lang="ja-JP" altLang="en-US" dirty="0" smtClean="0"/>
+              <a:t>スライドのデザイン</a:t>
+            </a:r>
+            <a:r>
+              <a:rPr lang="en-US" altLang="ja-JP" dirty="0" smtClean="0"/>
+              <a:t>(</a:t>
+            </a:r>
+            <a:r>
+              <a:rPr lang="ja-JP" altLang="en-US" dirty="0" smtClean="0"/>
+              <a:t>配色・分量</a:t>
+            </a:r>
+            <a:r>
+              <a:rPr lang="en-US" altLang="ja-JP" dirty="0" smtClean="0"/>
+              <a:t>)</a:t>
+            </a:r>
+          </a:p>
+          <a:p>
+            <a:pPr lvl="1"/>
+            <a:r>
+              <a:rPr kumimoji="1" lang="ja-JP" altLang="en-US" dirty="0" smtClean="0"/>
+              <a:t>ことばの使い方は正しいか</a:t>
+            </a:r>
+            <a:endParaRPr kumimoji="1" lang="ja-JP" altLang="en-US" dirty="0"/>
+          </a:p>
+        </p:txBody>
+      </p:sp>
+      <p:sp>
+        <p:nvSpPr>
+          <p:cNvPr id="5" name="コンテンツ プレースホルダー 2"/>
+          <p:cNvSpPr txBox="1">
+            <a:spLocks/>
+          </p:cNvSpPr>
+          <p:nvPr/>
+        </p:nvSpPr>
+        <p:spPr>
+          <a:xfrm>
+            <a:off x="769834" y="5263378"/>
+            <a:ext cx="10515600" cy="1453615"/>
+          </a:xfrm>
+          <a:prstGeom prst="rect">
+            <a:avLst/>
+          </a:prstGeom>
+          <a:ln>
+            <a:solidFill>
+              <a:schemeClr val="tx1"/>
+            </a:solidFill>
+          </a:ln>
+        </p:spPr>
+        <p:txBody>
+          <a:bodyPr vert="horz" lIns="91440" tIns="45720" rIns="91440" bIns="45720" rtlCol="0">
+            <a:normAutofit fontScale="77500" lnSpcReduction="20000"/>
+          </a:bodyPr>
+          <a:lstStyle>
+            <a:lvl1pPr marL="228600" indent="-228600" algn="l" defTabSz="914400" rtl="0" eaLnBrk="1" latinLnBrk="0" hangingPunct="1">
+              <a:lnSpc>
+                <a:spcPct val="90000"/>
+              </a:lnSpc>
+              <a:spcBef>
+                <a:spcPts val="1000"/>
+              </a:spcBef>
+              <a:buFont typeface="Arial" panose="020B0604020202020204" pitchFamily="34" charset="0"/>
+              <a:buChar char="•"/>
+              <a:defRPr kumimoji="1" sz="2800" kern="1200">
+                <a:solidFill>
+                  <a:schemeClr val="tx1"/>
+                </a:solidFill>
+                <a:latin typeface="+mn-lt"/>
+                <a:ea typeface="+mn-ea"/>
+                <a:cs typeface="+mn-cs"/>
+              </a:defRPr>
+            </a:lvl1pPr>
+            <a:lvl2pPr marL="685800" indent="-228600" algn="l" defTabSz="914400" rtl="0" eaLnBrk="1" latinLnBrk="0" hangingPunct="1">
+              <a:lnSpc>
+                <a:spcPct val="90000"/>
+              </a:lnSpc>
+              <a:spcBef>
+                <a:spcPts val="500"/>
+              </a:spcBef>
+              <a:buFont typeface="Arial" panose="020B0604020202020204" pitchFamily="34" charset="0"/>
+              <a:buChar char="•"/>
+              <a:defRPr kumimoji="1" sz="2400" kern="1200">
+                <a:solidFill>
+                  <a:schemeClr val="tx1"/>
+                </a:solidFill>
+                <a:latin typeface="+mn-lt"/>
+                <a:ea typeface="+mn-ea"/>
+                <a:cs typeface="+mn-cs"/>
+              </a:defRPr>
+            </a:lvl2pPr>
+            <a:lvl3pPr marL="1143000" indent="-228600" algn="l" defTabSz="914400" rtl="0" eaLnBrk="1" latinLnBrk="0" hangingPunct="1">
+              <a:lnSpc>
+                <a:spcPct val="90000"/>
+              </a:lnSpc>
+              <a:spcBef>
+                <a:spcPts val="500"/>
+              </a:spcBef>
+              <a:buFont typeface="Arial" panose="020B0604020202020204" pitchFamily="34" charset="0"/>
+              <a:buChar char="•"/>
+              <a:defRPr kumimoji="1" sz="2000" kern="1200">
+                <a:solidFill>
+                  <a:schemeClr val="tx1"/>
+                </a:solidFill>
+                <a:latin typeface="+mn-lt"/>
+                <a:ea typeface="+mn-ea"/>
+                <a:cs typeface="+mn-cs"/>
+              </a:defRPr>
+            </a:lvl3pPr>
+            <a:lvl4pPr marL="1600200" indent="-228600" algn="l" defTabSz="914400" rtl="0" eaLnBrk="1" latinLnBrk="0" hangingPunct="1">
+              <a:lnSpc>
+                <a:spcPct val="90000"/>
+              </a:lnSpc>
+              <a:spcBef>
+                <a:spcPts val="500"/>
+              </a:spcBef>
+              <a:buFont typeface="Arial" panose="020B0604020202020204" pitchFamily="34" charset="0"/>
+              <a:buChar char="•"/>
+              <a:defRPr kumimoji="1" sz="1800" kern="1200">
+                <a:solidFill>
+                  <a:schemeClr val="tx1"/>
+                </a:solidFill>
+                <a:latin typeface="+mn-lt"/>
+                <a:ea typeface="+mn-ea"/>
+                <a:cs typeface="+mn-cs"/>
+              </a:defRPr>
+            </a:lvl4pPr>
+            <a:lvl5pPr marL="2057400" indent="-228600" algn="l" defTabSz="914400" rtl="0" eaLnBrk="1" latinLnBrk="0" hangingPunct="1">
+              <a:lnSpc>
+                <a:spcPct val="90000"/>
+              </a:lnSpc>
+              <a:spcBef>
+                <a:spcPts val="500"/>
+              </a:spcBef>
+              <a:buFont typeface="Arial" panose="020B0604020202020204" pitchFamily="34" charset="0"/>
+              <a:buChar char="•"/>
+              <a:defRPr kumimoji="1" sz="1800" kern="1200">
+                <a:solidFill>
+                  <a:schemeClr val="tx1"/>
+                </a:solidFill>
+                <a:latin typeface="+mn-lt"/>
+                <a:ea typeface="+mn-ea"/>
+                <a:cs typeface="+mn-cs"/>
+              </a:defRPr>
+            </a:lvl5pPr>
+            <a:lvl6pPr marL="2514600" indent="-228600" algn="l" defTabSz="914400" rtl="0" eaLnBrk="1" latinLnBrk="0" hangingPunct="1">
+              <a:lnSpc>
+                <a:spcPct val="90000"/>
+              </a:lnSpc>
+              <a:spcBef>
+                <a:spcPts val="500"/>
+              </a:spcBef>
+              <a:buFont typeface="Arial" panose="020B0604020202020204" pitchFamily="34" charset="0"/>
+              <a:buChar char="•"/>
+              <a:defRPr kumimoji="1" sz="1800" kern="1200">
+                <a:solidFill>
+                  <a:schemeClr val="tx1"/>
+                </a:solidFill>
+                <a:latin typeface="+mn-lt"/>
+                <a:ea typeface="+mn-ea"/>
+                <a:cs typeface="+mn-cs"/>
+              </a:defRPr>
+            </a:lvl6pPr>
+            <a:lvl7pPr marL="2971800" indent="-228600" algn="l" defTabSz="914400" rtl="0" eaLnBrk="1" latinLnBrk="0" hangingPunct="1">
+              <a:lnSpc>
+                <a:spcPct val="90000"/>
+              </a:lnSpc>
+              <a:spcBef>
+                <a:spcPts val="500"/>
+              </a:spcBef>
+              <a:buFont typeface="Arial" panose="020B0604020202020204" pitchFamily="34" charset="0"/>
+              <a:buChar char="•"/>
+              <a:defRPr kumimoji="1" sz="1800" kern="1200">
+                <a:solidFill>
+                  <a:schemeClr val="tx1"/>
+                </a:solidFill>
+                <a:latin typeface="+mn-lt"/>
+                <a:ea typeface="+mn-ea"/>
+                <a:cs typeface="+mn-cs"/>
+              </a:defRPr>
+            </a:lvl7pPr>
+            <a:lvl8pPr marL="3429000" indent="-228600" algn="l" defTabSz="914400" rtl="0" eaLnBrk="1" latinLnBrk="0" hangingPunct="1">
+              <a:lnSpc>
+                <a:spcPct val="90000"/>
+              </a:lnSpc>
+              <a:spcBef>
+                <a:spcPts val="500"/>
+              </a:spcBef>
+              <a:buFont typeface="Arial" panose="020B0604020202020204" pitchFamily="34" charset="0"/>
+              <a:buChar char="•"/>
+              <a:defRPr kumimoji="1" sz="1800" kern="1200">
+                <a:solidFill>
+                  <a:schemeClr val="tx1"/>
+                </a:solidFill>
+                <a:latin typeface="+mn-lt"/>
+                <a:ea typeface="+mn-ea"/>
+                <a:cs typeface="+mn-cs"/>
+              </a:defRPr>
+            </a:lvl8pPr>
+            <a:lvl9pPr marL="3886200" indent="-228600" algn="l" defTabSz="914400" rtl="0" eaLnBrk="1" latinLnBrk="0" hangingPunct="1">
+              <a:lnSpc>
+                <a:spcPct val="90000"/>
+              </a:lnSpc>
+              <a:spcBef>
+                <a:spcPts val="500"/>
+              </a:spcBef>
+              <a:buFont typeface="Arial" panose="020B0604020202020204" pitchFamily="34" charset="0"/>
+              <a:buChar char="•"/>
+              <a:defRPr kumimoji="1" sz="1800" kern="1200">
+                <a:solidFill>
+                  <a:schemeClr val="tx1"/>
+                </a:solidFill>
+                <a:latin typeface="+mn-lt"/>
+                <a:ea typeface="+mn-ea"/>
+                <a:cs typeface="+mn-cs"/>
+              </a:defRPr>
+            </a:lvl9pPr>
+          </a:lstStyle>
+          <a:p>
+            <a:pPr>
+              <a:buFont typeface="Wingdings" panose="05000000000000000000" pitchFamily="2" charset="2"/>
+              <a:buChar char="Ø"/>
+            </a:pPr>
+            <a:r>
+              <a:rPr lang="ja-JP" altLang="en-US" dirty="0" smtClean="0"/>
+              <a:t>注意事項</a:t>
+            </a:r>
+            <a:endParaRPr lang="en-US" altLang="ja-JP" dirty="0" smtClean="0"/>
+          </a:p>
+          <a:p>
+            <a:pPr lvl="1"/>
+            <a:r>
+              <a:rPr lang="ja-JP" altLang="en-US" dirty="0" smtClean="0"/>
+              <a:t>これらのポイントだけを抑えた資料を作ればいいという意味ではない</a:t>
+            </a:r>
+            <a:endParaRPr lang="en-US" altLang="ja-JP" dirty="0" smtClean="0"/>
+          </a:p>
+          <a:p>
+            <a:pPr lvl="1"/>
+            <a:r>
+              <a:rPr lang="ja-JP" altLang="en-US" dirty="0"/>
+              <a:t>全体</a:t>
+            </a:r>
+            <a:r>
+              <a:rPr lang="ja-JP" altLang="en-US" dirty="0" smtClean="0"/>
+              <a:t>のストーリーはしっかりと考えること</a:t>
+            </a:r>
+            <a:endParaRPr lang="en-US" altLang="ja-JP" dirty="0" smtClean="0"/>
+          </a:p>
+          <a:p>
+            <a:pPr lvl="1"/>
+            <a:r>
+              <a:rPr lang="ja-JP" altLang="en-US" dirty="0" smtClean="0"/>
+              <a:t>発表時間</a:t>
+            </a:r>
+            <a:r>
+              <a:rPr lang="en-US" altLang="ja-JP" dirty="0" smtClean="0"/>
+              <a:t>(10</a:t>
+            </a:r>
+            <a:r>
+              <a:rPr lang="ja-JP" altLang="en-US" dirty="0" smtClean="0"/>
+              <a:t>分</a:t>
+            </a:r>
+            <a:r>
+              <a:rPr lang="en-US" altLang="ja-JP" dirty="0" smtClean="0"/>
+              <a:t>) </a:t>
+            </a:r>
+            <a:r>
+              <a:rPr lang="ja-JP" altLang="en-US" dirty="0" smtClean="0"/>
+              <a:t>＋質疑応答</a:t>
+            </a:r>
+            <a:r>
+              <a:rPr lang="en-US" altLang="ja-JP" dirty="0" smtClean="0"/>
+              <a:t>(5</a:t>
+            </a:r>
+            <a:r>
+              <a:rPr lang="ja-JP" altLang="en-US" dirty="0" smtClean="0"/>
+              <a:t>分</a:t>
+            </a:r>
+            <a:r>
+              <a:rPr lang="en-US" altLang="ja-JP" dirty="0" smtClean="0"/>
+              <a:t>)</a:t>
+            </a:r>
+          </a:p>
+          <a:p>
+            <a:pPr lvl="1"/>
+            <a:r>
+              <a:rPr lang="ja-JP" altLang="en-US" dirty="0" smtClean="0"/>
+              <a:t>発表時間の過不足</a:t>
+            </a:r>
+            <a:r>
+              <a:rPr lang="en-US" altLang="ja-JP" dirty="0"/>
+              <a:t>(+-</a:t>
+            </a:r>
+            <a:r>
+              <a:rPr lang="en-US" altLang="ja-JP" dirty="0" smtClean="0"/>
+              <a:t>30s</a:t>
+            </a:r>
+            <a:r>
+              <a:rPr lang="ja-JP" altLang="en-US" dirty="0" smtClean="0"/>
+              <a:t>以上</a:t>
+            </a:r>
+            <a:r>
+              <a:rPr lang="en-US" altLang="ja-JP" dirty="0" smtClean="0"/>
+              <a:t>)</a:t>
+            </a:r>
+            <a:r>
+              <a:rPr lang="ja-JP" altLang="en-US" dirty="0" smtClean="0"/>
+              <a:t>は減点対象</a:t>
+            </a:r>
+            <a:endParaRPr lang="en-US" altLang="ja-JP" dirty="0" smtClean="0"/>
+          </a:p>
+          <a:p>
+            <a:pPr lvl="1"/>
+            <a:endParaRPr lang="en-US" altLang="ja-JP" dirty="0" smtClean="0"/>
+          </a:p>
+        </p:txBody>
+      </p:sp>
+    </p:spTree>
+    <p:extLst>
+      <p:ext uri="{BB962C8B-B14F-4D97-AF65-F5344CB8AC3E}">
+        <p14:creationId xmlns:p14="http://schemas.microsoft.com/office/powerpoint/2010/main" val="3317666620"/>
+      </p:ext>
+    </p:extLst>
+  </p:cSld>
+  <p:clrMapOvr>
+    <a:masterClrMapping/>
+  </p:clrMapOvr>
+</p:sld>
+</file>
+
+<file path=ppt/slides/slide24.xml><?xml version="1.0" encoding="utf-8"?>
+<p:sld xmlns:a="http://schemas.openxmlformats.org/drawingml/2006/main" xmlns:r="http://schemas.openxmlformats.org/officeDocument/2006/relationships" xmlns:p="http://schemas.openxmlformats.org/presentationml/2006/main">
+  <p:cSld>
+    <p:spTree>
+      <p:nvGrpSpPr>
+        <p:cNvPr id="1" name=""/>
+        <p:cNvGrpSpPr/>
+        <p:nvPr/>
+      </p:nvGrpSpPr>
+      <p:grpSpPr>
+        <a:xfrm>
+          <a:off x="0" y="0"/>
+          <a:ext cx="0" cy="0"/>
+          <a:chOff x="0" y="0"/>
+          <a:chExt cx="0" cy="0"/>
+        </a:xfrm>
+      </p:grpSpPr>
+      <p:sp>
+        <p:nvSpPr>
+          <p:cNvPr id="2" name="タイトル 1"/>
+          <p:cNvSpPr>
+            <a:spLocks noGrp="1"/>
+          </p:cNvSpPr>
+          <p:nvPr>
+            <p:ph type="title"/>
+          </p:nvPr>
+        </p:nvSpPr>
+        <p:spPr/>
+        <p:txBody>
+          <a:bodyPr/>
+          <a:lstStyle/>
+          <a:p>
+            <a:endParaRPr kumimoji="1" lang="ja-JP" altLang="en-US" dirty="0"/>
+          </a:p>
+        </p:txBody>
+      </p:sp>
+      <p:sp>
+        <p:nvSpPr>
+          <p:cNvPr id="3" name="コンテンツ プレースホルダー 2"/>
+          <p:cNvSpPr>
+            <a:spLocks noGrp="1"/>
+          </p:cNvSpPr>
+          <p:nvPr>
+            <p:ph idx="1"/>
+          </p:nvPr>
+        </p:nvSpPr>
+        <p:spPr/>
+        <p:txBody>
+          <a:bodyPr/>
+          <a:lstStyle/>
+          <a:p>
+            <a:endParaRPr kumimoji="1" lang="ja-JP" altLang="en-US" dirty="0"/>
+          </a:p>
+        </p:txBody>
+      </p:sp>
+    </p:spTree>
+    <p:extLst>
+      <p:ext uri="{BB962C8B-B14F-4D97-AF65-F5344CB8AC3E}">
+        <p14:creationId xmlns:p14="http://schemas.microsoft.com/office/powerpoint/2010/main" val="2769926372"/>
       </p:ext>
     </p:extLst>
   </p:cSld>
